--- a/Práca/xcsengody.pptx
+++ b/Práca/xcsengody.pptx
@@ -220,7 +220,7 @@
           <a:p>
             <a:fld id="{86BEE633-9F0D-9A48-AB8C-79D0A8FCBA11}" type="datetimeFigureOut">
               <a:rPr lang="sk-SK" smtClean="0"/>
-              <a:t>28.1.20</a:t>
+              <a:t>29.1.20</a:t>
             </a:fld>
             <a:endParaRPr lang="sk-SK"/>
           </a:p>
@@ -2676,7 +2676,7 @@
           <a:p>
             <a:fld id="{0F3E66B2-A0B7-944A-968F-0C9E95D50070}" type="datetimeFigureOut">
               <a:rPr lang="en-US" smtClean="0"/>
-              <a:t>1/28/20</a:t>
+              <a:t>1/29/20</a:t>
             </a:fld>
             <a:endParaRPr lang="en-US"/>
           </a:p>
@@ -2876,7 +2876,7 @@
           <a:p>
             <a:fld id="{0F3E66B2-A0B7-944A-968F-0C9E95D50070}" type="datetimeFigureOut">
               <a:rPr lang="en-US" smtClean="0"/>
-              <a:t>1/28/20</a:t>
+              <a:t>1/29/20</a:t>
             </a:fld>
             <a:endParaRPr lang="en-US"/>
           </a:p>
@@ -3086,7 +3086,7 @@
           <a:p>
             <a:fld id="{0F3E66B2-A0B7-944A-968F-0C9E95D50070}" type="datetimeFigureOut">
               <a:rPr lang="en-US" smtClean="0"/>
-              <a:t>1/28/20</a:t>
+              <a:t>1/29/20</a:t>
             </a:fld>
             <a:endParaRPr lang="en-US"/>
           </a:p>
@@ -3286,7 +3286,7 @@
           <a:p>
             <a:fld id="{0F3E66B2-A0B7-944A-968F-0C9E95D50070}" type="datetimeFigureOut">
               <a:rPr lang="en-US" smtClean="0"/>
-              <a:t>1/28/20</a:t>
+              <a:t>1/29/20</a:t>
             </a:fld>
             <a:endParaRPr lang="en-US"/>
           </a:p>
@@ -3562,7 +3562,7 @@
           <a:p>
             <a:fld id="{0F3E66B2-A0B7-944A-968F-0C9E95D50070}" type="datetimeFigureOut">
               <a:rPr lang="en-US" smtClean="0"/>
-              <a:t>1/28/20</a:t>
+              <a:t>1/29/20</a:t>
             </a:fld>
             <a:endParaRPr lang="en-US"/>
           </a:p>
@@ -3830,7 +3830,7 @@
           <a:p>
             <a:fld id="{0F3E66B2-A0B7-944A-968F-0C9E95D50070}" type="datetimeFigureOut">
               <a:rPr lang="en-US" smtClean="0"/>
-              <a:t>1/28/20</a:t>
+              <a:t>1/29/20</a:t>
             </a:fld>
             <a:endParaRPr lang="en-US"/>
           </a:p>
@@ -4245,7 +4245,7 @@
           <a:p>
             <a:fld id="{0F3E66B2-A0B7-944A-968F-0C9E95D50070}" type="datetimeFigureOut">
               <a:rPr lang="en-US" smtClean="0"/>
-              <a:t>1/28/20</a:t>
+              <a:t>1/29/20</a:t>
             </a:fld>
             <a:endParaRPr lang="en-US"/>
           </a:p>
@@ -4387,7 +4387,7 @@
           <a:p>
             <a:fld id="{0F3E66B2-A0B7-944A-968F-0C9E95D50070}" type="datetimeFigureOut">
               <a:rPr lang="en-US" smtClean="0"/>
-              <a:t>1/28/20</a:t>
+              <a:t>1/29/20</a:t>
             </a:fld>
             <a:endParaRPr lang="en-US"/>
           </a:p>
@@ -4500,7 +4500,7 @@
           <a:p>
             <a:fld id="{0F3E66B2-A0B7-944A-968F-0C9E95D50070}" type="datetimeFigureOut">
               <a:rPr lang="en-US" smtClean="0"/>
-              <a:t>1/28/20</a:t>
+              <a:t>1/29/20</a:t>
             </a:fld>
             <a:endParaRPr lang="en-US"/>
           </a:p>
@@ -4813,7 +4813,7 @@
           <a:p>
             <a:fld id="{0F3E66B2-A0B7-944A-968F-0C9E95D50070}" type="datetimeFigureOut">
               <a:rPr lang="en-US" smtClean="0"/>
-              <a:t>1/28/20</a:t>
+              <a:t>1/29/20</a:t>
             </a:fld>
             <a:endParaRPr lang="en-US"/>
           </a:p>
@@ -5102,7 +5102,7 @@
           <a:p>
             <a:fld id="{0F3E66B2-A0B7-944A-968F-0C9E95D50070}" type="datetimeFigureOut">
               <a:rPr lang="en-US" smtClean="0"/>
-              <a:t>1/28/20</a:t>
+              <a:t>1/29/20</a:t>
             </a:fld>
             <a:endParaRPr lang="en-US"/>
           </a:p>
@@ -5345,7 +5345,7 @@
           <a:p>
             <a:fld id="{0F3E66B2-A0B7-944A-968F-0C9E95D50070}" type="datetimeFigureOut">
               <a:rPr lang="en-US" smtClean="0"/>
-              <a:t>1/28/20</a:t>
+              <a:t>1/29/20</a:t>
             </a:fld>
             <a:endParaRPr lang="en-US"/>
           </a:p>
@@ -6244,12 +6244,6 @@
           <a:p>
             <a:r>
               <a:rPr lang="sk-SK" dirty="0"/>
-              <a:t>Výber rôznych metód strojového učenia</a:t>
-            </a:r>
-          </a:p>
-          <a:p>
-            <a:r>
-              <a:rPr lang="sk-SK" dirty="0"/>
               <a:t>Obohacovanie dát v procese predspracovania</a:t>
             </a:r>
           </a:p>
@@ -6281,6 +6275,16 @@
             <a:r>
               <a:rPr lang="sk-SK" dirty="0"/>
               <a:t>Možnosť porovnať metódy strojového učenia</a:t>
+            </a:r>
+          </a:p>
+          <a:p>
+            <a:r>
+              <a:rPr lang="sk-SK" dirty="0"/>
+              <a:t>Výber rôznych metód </a:t>
+            </a:r>
+            <a:r>
+              <a:rPr lang="sk-SK"/>
+              <a:t>strojového učenia</a:t>
             </a:r>
           </a:p>
           <a:p>
